--- a/Reactive Programming with .NET.pptx
+++ b/Reactive Programming with .NET.pptx
@@ -3825,8 +3825,8 @@
           <a:p>
             <a:pPr lvl="0"/>
             <a:r>
-              <a:rPr lang="nl-NL" smtClean="0"/>
-              <a:t>Reactive Programming in .NET | Jonathan Ziller</a:t>
+              <a:rPr lang="de-CH" smtClean="0"/>
+              <a:t>Reactive Programming with .NET | Jonathan Ziller</a:t>
             </a:r>
             <a:endParaRPr lang="de-CH" dirty="0" smtClean="0"/>
           </a:p>
@@ -3920,7 +3920,7 @@
               <a:rPr lang="de-CH" smtClean="0"/>
               <a:t>Slide </a:t>
             </a:r>
-            <a:fld id="{595DC214-CC05-4389-9009-EC176B968B00}" type="slidenum">
+            <a:fld id="{DE4A5423-2C62-46F6-B8CD-5366705CF806}" type="slidenum">
               <a:rPr lang="de-CH" smtClean="0"/>
               <a:t>‹#›</a:t>
             </a:fld>
@@ -4262,7 +4262,7 @@
           <a:lstStyle/>
           <a:p>
             <a:r>
-              <a:rPr lang="en-GB" dirty="0" smtClean="0"/>
+              <a:rPr lang="en-GB" smtClean="0"/>
               <a:t>Reactive Programming with .NET</a:t>
             </a:r>
             <a:endParaRPr lang="en-GB" dirty="0"/>

--- a/Reactive Programming with .NET.pptx
+++ b/Reactive Programming with .NET.pptx
@@ -12,25 +12,32 @@
   </p:handoutMasterIdLst>
   <p:sldIdLst>
     <p:sldId id="256" r:id="rId2"/>
-    <p:sldId id="257" r:id="rId3"/>
-    <p:sldId id="258" r:id="rId4"/>
-    <p:sldId id="259" r:id="rId5"/>
-    <p:sldId id="260" r:id="rId6"/>
-    <p:sldId id="261" r:id="rId7"/>
-    <p:sldId id="262" r:id="rId8"/>
-    <p:sldId id="263" r:id="rId9"/>
+    <p:sldId id="258" r:id="rId3"/>
+    <p:sldId id="259" r:id="rId4"/>
+    <p:sldId id="260" r:id="rId5"/>
+    <p:sldId id="261" r:id="rId6"/>
+    <p:sldId id="262" r:id="rId7"/>
+    <p:sldId id="263" r:id="rId8"/>
+    <p:sldId id="265" r:id="rId9"/>
   </p:sldIdLst>
   <p:sldSz cx="9144000" cy="6858000" type="screen4x3"/>
   <p:notesSz cx="6858000" cy="9144000"/>
   <p:embeddedFontLst>
     <p:embeddedFont>
-      <p:font typeface="AA Zuehlke" panose="02000503060000020004" pitchFamily="2" charset="0"/>
+      <p:font typeface="AA Zuehlke" panose="020B0604020202020204" charset="0"/>
       <p:regular r:id="rId12"/>
       <p:italic r:id="rId13"/>
     </p:embeddedFont>
+    <p:embeddedFont>
+      <p:font typeface="Consolas" panose="020B0609020204030204" pitchFamily="49" charset="0"/>
+      <p:regular r:id="rId14"/>
+      <p:bold r:id="rId15"/>
+      <p:italic r:id="rId16"/>
+      <p:boldItalic r:id="rId17"/>
+    </p:embeddedFont>
   </p:embeddedFontLst>
   <p:custDataLst>
-    <p:tags r:id="rId14"/>
+    <p:tags r:id="rId18"/>
   </p:custDataLst>
   <p:defaultTextStyle>
     <a:defPPr>
@@ -449,7 +456,7 @@
             <a:fld id="{A6966AE6-B72D-4967-9CA3-8469D2863705}" type="datetimeFigureOut">
               <a:rPr lang="en-US" smtClean="0"/>
               <a:pPr/>
-              <a:t>11/26/2015</a:t>
+              <a:t>2015-11-26</a:t>
             </a:fld>
             <a:endParaRPr lang="en-US" dirty="0"/>
           </a:p>
@@ -3775,14 +3782,6 @@
               </a:rPr>
               <a:t>© Zühlke 2015</a:t>
             </a:r>
-            <a:endParaRPr lang="de-CH" sz="700" kern="1200" noProof="1" smtClean="0">
-              <a:solidFill>
-                <a:srgbClr val="4D4D4D"/>
-              </a:solidFill>
-              <a:latin typeface="AA Zuehlke" pitchFamily="2" charset="0"/>
-              <a:ea typeface="+mn-ea"/>
-              <a:cs typeface="+mn-cs"/>
-            </a:endParaRPr>
           </a:p>
         </p:txBody>
       </p:sp>
@@ -4269,18 +4268,88 @@
           </a:p>
         </p:txBody>
       </p:sp>
-      <p:sp>
-        <p:nvSpPr>
-          <p:cNvPr id="5" name="Picture Placeholder 4"/>
-          <p:cNvSpPr>
-            <a:spLocks noGrp="1"/>
-          </p:cNvSpPr>
-          <p:nvPr>
-            <p:ph type="pic" sz="quarter" idx="13"/>
-          </p:nvPr>
-        </p:nvSpPr>
-        <p:spPr/>
-      </p:sp>
+      <p:pic>
+        <p:nvPicPr>
+          <p:cNvPr id="4" name="Picture 2" descr="http://media.rehansaeed.com/rehansaeed/2014/02/Reactive-Extensions.png"/>
+          <p:cNvPicPr>
+            <a:picLocks noChangeAspect="1" noChangeArrowheads="1"/>
+          </p:cNvPicPr>
+          <p:nvPr/>
+        </p:nvPicPr>
+        <p:blipFill>
+          <a:blip r:embed="rId2" cstate="print">
+            <a:extLst>
+              <a:ext uri="{28A0092B-C50C-407E-A947-70E740481C1C}">
+                <a14:useLocalDpi xmlns:a14="http://schemas.microsoft.com/office/drawing/2010/main" val="0"/>
+              </a:ext>
+            </a:extLst>
+          </a:blip>
+          <a:srcRect/>
+          <a:stretch>
+            <a:fillRect/>
+          </a:stretch>
+        </p:blipFill>
+        <p:spPr bwMode="auto">
+          <a:xfrm>
+            <a:off x="323528" y="620688"/>
+            <a:ext cx="5251146" cy="2952328"/>
+          </a:xfrm>
+          <a:prstGeom prst="rect">
+            <a:avLst/>
+          </a:prstGeom>
+          <a:noFill/>
+          <a:extLst>
+            <a:ext uri="{909E8E84-426E-40DD-AFC4-6F175D3DCCD1}">
+              <a14:hiddenFill xmlns:a14="http://schemas.microsoft.com/office/drawing/2010/main">
+                <a:solidFill>
+                  <a:srgbClr val="FFFFFF"/>
+                </a:solidFill>
+              </a14:hiddenFill>
+            </a:ext>
+          </a:extLst>
+        </p:spPr>
+      </p:pic>
+      <p:pic>
+        <p:nvPicPr>
+          <p:cNvPr id="6" name="Picture 4" descr="http://blogs.msdn.com/cfs-filesystemfile.ashx/__key/communityserver-components-imagefileviewer/communityserver-blogs-components-weblogfiles-00-00-01-39-71/2061.fsharp_2D00_logo-_2D00_-Copy.png_2D00_550x0.png"/>
+          <p:cNvPicPr>
+            <a:picLocks noChangeAspect="1" noChangeArrowheads="1"/>
+          </p:cNvPicPr>
+          <p:nvPr/>
+        </p:nvPicPr>
+        <p:blipFill>
+          <a:blip r:embed="rId3">
+            <a:extLst>
+              <a:ext uri="{28A0092B-C50C-407E-A947-70E740481C1C}">
+                <a14:useLocalDpi xmlns:a14="http://schemas.microsoft.com/office/drawing/2010/main" val="0"/>
+              </a:ext>
+            </a:extLst>
+          </a:blip>
+          <a:srcRect/>
+          <a:stretch>
+            <a:fillRect/>
+          </a:stretch>
+        </p:blipFill>
+        <p:spPr bwMode="auto">
+          <a:xfrm>
+            <a:off x="4786116" y="2492924"/>
+            <a:ext cx="3126581" cy="2160183"/>
+          </a:xfrm>
+          <a:prstGeom prst="rect">
+            <a:avLst/>
+          </a:prstGeom>
+          <a:noFill/>
+          <a:extLst>
+            <a:ext uri="{909E8E84-426E-40DD-AFC4-6F175D3DCCD1}">
+              <a14:hiddenFill xmlns:a14="http://schemas.microsoft.com/office/drawing/2010/main">
+                <a:solidFill>
+                  <a:srgbClr val="FFFFFF"/>
+                </a:solidFill>
+              </a14:hiddenFill>
+            </a:ext>
+          </a:extLst>
+        </p:spPr>
+      </p:pic>
     </p:spTree>
     <p:extLst>
       <p:ext uri="{BB962C8B-B14F-4D97-AF65-F5344CB8AC3E}">
@@ -4291,6 +4360,13 @@
   <p:clrMapOvr>
     <a:masterClrMapping/>
   </p:clrMapOvr>
+  <p:timing>
+    <p:tnLst>
+      <p:par>
+        <p:cTn id="1" dur="indefinite" restart="never" nodeType="tmRoot"/>
+      </p:par>
+    </p:tnLst>
+  </p:timing>
 </p:sld>
 </file>
 
@@ -4326,75 +4402,103 @@
           <a:bodyPr/>
           <a:lstStyle/>
           <a:p>
+            <a:r>
+              <a:rPr lang="en-GB" dirty="0" smtClean="0"/>
+              <a:t>Agenda</a:t>
+            </a:r>
             <a:endParaRPr lang="en-GB" dirty="0"/>
           </a:p>
         </p:txBody>
       </p:sp>
       <p:sp>
         <p:nvSpPr>
-          <p:cNvPr id="3" name="Text Placeholder 2"/>
-          <p:cNvSpPr>
-            <a:spLocks noGrp="1"/>
-          </p:cNvSpPr>
-          <p:nvPr>
-            <p:ph type="body" idx="1"/>
-          </p:nvPr>
-        </p:nvSpPr>
-        <p:spPr/>
+          <p:cNvPr id="3" name="Content Placeholder 2"/>
+          <p:cNvSpPr>
+            <a:spLocks noGrp="1"/>
+          </p:cNvSpPr>
+          <p:nvPr>
+            <p:ph idx="1"/>
+          </p:nvPr>
+        </p:nvSpPr>
+        <p:spPr>
+          <a:xfrm>
+            <a:off x="579438" y="933885"/>
+            <a:ext cx="8412161" cy="5632015"/>
+          </a:xfrm>
+        </p:spPr>
         <p:txBody>
           <a:bodyPr/>
           <a:lstStyle/>
           <a:p>
+            <a:pPr marL="342900" indent="-342900">
+              <a:buFontTx/>
+              <a:buChar char="-"/>
+            </a:pPr>
+            <a:r>
+              <a:rPr lang="en-GB" dirty="0" smtClean="0"/>
+              <a:t>Reactive Programming</a:t>
+            </a:r>
+          </a:p>
+          <a:p>
+            <a:pPr marL="342900" indent="-342900">
+              <a:buFontTx/>
+              <a:buChar char="-"/>
+            </a:pPr>
+            <a:r>
+              <a:rPr lang="en-GB" dirty="0" smtClean="0"/>
+              <a:t>Reactive Extensions (Rx)</a:t>
+            </a:r>
+          </a:p>
+          <a:p>
+            <a:pPr marL="342900" indent="-342900">
+              <a:buFontTx/>
+              <a:buChar char="-"/>
+            </a:pPr>
+            <a:r>
+              <a:rPr lang="en-GB" dirty="0" smtClean="0"/>
+              <a:t>Code, Code, Code</a:t>
+            </a:r>
+          </a:p>
+          <a:p>
+            <a:pPr marL="342900" indent="-342900">
+              <a:buFontTx/>
+              <a:buChar char="-"/>
+            </a:pPr>
+            <a:r>
+              <a:rPr lang="en-GB" dirty="0" smtClean="0"/>
+              <a:t>(F#)-Agents</a:t>
+            </a:r>
+          </a:p>
+          <a:p>
+            <a:pPr marL="342900" indent="-342900">
+              <a:buFontTx/>
+              <a:buChar char="-"/>
+            </a:pPr>
+            <a:r>
+              <a:rPr lang="en-GB" dirty="0" smtClean="0"/>
+              <a:t>Code, Code, Code</a:t>
+            </a:r>
             <a:endParaRPr lang="en-GB" dirty="0"/>
           </a:p>
         </p:txBody>
-      </p:sp>
-      <p:sp>
-        <p:nvSpPr>
-          <p:cNvPr id="6" name="Picture Placeholder 5"/>
-          <p:cNvSpPr>
-            <a:spLocks noGrp="1"/>
-          </p:cNvSpPr>
-          <p:nvPr>
-            <p:ph type="pic" sz="quarter" idx="10"/>
-          </p:nvPr>
-        </p:nvSpPr>
-        <p:spPr/>
-      </p:sp>
-      <p:sp>
-        <p:nvSpPr>
-          <p:cNvPr id="7" name="Picture Placeholder 6"/>
-          <p:cNvSpPr>
-            <a:spLocks noGrp="1"/>
-          </p:cNvSpPr>
-          <p:nvPr>
-            <p:ph type="pic" sz="quarter" idx="11"/>
-          </p:nvPr>
-        </p:nvSpPr>
-        <p:spPr/>
-      </p:sp>
-      <p:sp>
-        <p:nvSpPr>
-          <p:cNvPr id="8" name="Picture Placeholder 7"/>
-          <p:cNvSpPr>
-            <a:spLocks noGrp="1"/>
-          </p:cNvSpPr>
-          <p:nvPr>
-            <p:ph type="pic" sz="quarter" idx="12"/>
-          </p:nvPr>
-        </p:nvSpPr>
-        <p:spPr/>
       </p:sp>
     </p:spTree>
     <p:extLst>
       <p:ext uri="{BB962C8B-B14F-4D97-AF65-F5344CB8AC3E}">
-        <p14:creationId xmlns:p14="http://schemas.microsoft.com/office/powerpoint/2010/main" val="3454182098"/>
+        <p14:creationId xmlns:p14="http://schemas.microsoft.com/office/powerpoint/2010/main" val="2884851122"/>
       </p:ext>
     </p:extLst>
   </p:cSld>
   <p:clrMapOvr>
     <a:masterClrMapping/>
   </p:clrMapOvr>
+  <p:timing>
+    <p:tnLst>
+      <p:par>
+        <p:cTn id="1" dur="indefinite" restart="never" nodeType="tmRoot"/>
+      </p:par>
+    </p:tnLst>
+  </p:timing>
 </p:sld>
 </file>
 
@@ -4430,6 +4534,10 @@
           <a:bodyPr/>
           <a:lstStyle/>
           <a:p>
+            <a:r>
+              <a:rPr lang="en-GB" dirty="0" smtClean="0"/>
+              <a:t>Reactive Programming</a:t>
+            </a:r>
             <a:endParaRPr lang="en-GB" dirty="0"/>
           </a:p>
         </p:txBody>
@@ -4444,30 +4552,74 @@
             <p:ph idx="1"/>
           </p:nvPr>
         </p:nvSpPr>
-        <p:spPr/>
+        <p:spPr>
+          <a:xfrm>
+            <a:off x="579438" y="933885"/>
+            <a:ext cx="8412161" cy="5632015"/>
+          </a:xfrm>
+        </p:spPr>
         <p:txBody>
           <a:bodyPr/>
           <a:lstStyle/>
           <a:p>
-            <a:endParaRPr lang="en-GB" dirty="0"/>
-          </a:p>
-        </p:txBody>
-      </p:sp>
-      <p:sp>
-        <p:nvSpPr>
-          <p:cNvPr id="6" name="Text Placeholder 5"/>
-          <p:cNvSpPr>
-            <a:spLocks noGrp="1"/>
-          </p:cNvSpPr>
-          <p:nvPr>
-            <p:ph type="body" sz="quarter" idx="13"/>
-          </p:nvPr>
-        </p:nvSpPr>
-        <p:spPr/>
-        <p:txBody>
-          <a:bodyPr/>
-          <a:lstStyle/>
-          <a:p>
+            <a:pPr marL="342900" indent="-342900">
+              <a:buFontTx/>
+              <a:buChar char="-"/>
+            </a:pPr>
+            <a:r>
+              <a:rPr lang="en-US" dirty="0" smtClean="0"/>
+              <a:t>System is modeled </a:t>
+            </a:r>
+            <a:r>
+              <a:rPr lang="en-US" dirty="0"/>
+              <a:t>as </a:t>
+            </a:r>
+            <a:r>
+              <a:rPr lang="en-US" dirty="0" smtClean="0"/>
+              <a:t>set of operations</a:t>
+            </a:r>
+          </a:p>
+          <a:p>
+            <a:pPr marL="342900" indent="-342900">
+              <a:buFontTx/>
+              <a:buChar char="-"/>
+            </a:pPr>
+            <a:r>
+              <a:rPr lang="en-US" dirty="0" smtClean="0"/>
+              <a:t>Data flows </a:t>
+            </a:r>
+            <a:r>
+              <a:rPr lang="en-US" dirty="0"/>
+              <a:t>from operation to </a:t>
+            </a:r>
+            <a:r>
+              <a:rPr lang="en-US" dirty="0" smtClean="0"/>
+              <a:t>operation</a:t>
+            </a:r>
+          </a:p>
+          <a:p>
+            <a:pPr marL="342900" indent="-342900">
+              <a:buFontTx/>
+              <a:buChar char="-"/>
+            </a:pPr>
+            <a:r>
+              <a:rPr lang="en-US" dirty="0" smtClean="0"/>
+              <a:t>Lends itself to functional programming style</a:t>
+            </a:r>
+          </a:p>
+          <a:p>
+            <a:pPr marL="342900" indent="-342900">
+              <a:buFontTx/>
+              <a:buChar char="-"/>
+            </a:pPr>
+            <a:r>
+              <a:rPr lang="en-GB" dirty="0" smtClean="0"/>
+              <a:t>Synonyms: </a:t>
+            </a:r>
+            <a:r>
+              <a:rPr lang="en-US" dirty="0"/>
+              <a:t>event-based, event-driven, message-driven</a:t>
+            </a:r>
             <a:endParaRPr lang="en-GB" dirty="0"/>
           </a:p>
         </p:txBody>
@@ -4475,13 +4627,20 @@
     </p:spTree>
     <p:extLst>
       <p:ext uri="{BB962C8B-B14F-4D97-AF65-F5344CB8AC3E}">
-        <p14:creationId xmlns:p14="http://schemas.microsoft.com/office/powerpoint/2010/main" val="2884851122"/>
+        <p14:creationId xmlns:p14="http://schemas.microsoft.com/office/powerpoint/2010/main" val="2076194387"/>
       </p:ext>
     </p:extLst>
   </p:cSld>
   <p:clrMapOvr>
     <a:masterClrMapping/>
   </p:clrMapOvr>
+  <p:timing>
+    <p:tnLst>
+      <p:par>
+        <p:cTn id="1" dur="indefinite" restart="never" nodeType="tmRoot"/>
+      </p:par>
+    </p:tnLst>
+  </p:timing>
 </p:sld>
 </file>
 
@@ -4517,6 +4676,10 @@
           <a:bodyPr/>
           <a:lstStyle/>
           <a:p>
+            <a:r>
+              <a:rPr lang="en-GB" dirty="0" smtClean="0"/>
+              <a:t>Reactive Extensions (Rx)</a:t>
+            </a:r>
             <a:endParaRPr lang="en-GB" dirty="0"/>
           </a:p>
         </p:txBody>
@@ -4531,30 +4694,135 @@
             <p:ph idx="1"/>
           </p:nvPr>
         </p:nvSpPr>
-        <p:spPr/>
+        <p:spPr>
+          <a:xfrm>
+            <a:off x="579438" y="933885"/>
+            <a:ext cx="8412161" cy="5632015"/>
+          </a:xfrm>
+        </p:spPr>
         <p:txBody>
           <a:bodyPr/>
           <a:lstStyle/>
           <a:p>
-            <a:endParaRPr lang="en-GB" dirty="0"/>
-          </a:p>
-        </p:txBody>
-      </p:sp>
-      <p:sp>
-        <p:nvSpPr>
-          <p:cNvPr id="6" name="Text Placeholder 5"/>
-          <p:cNvSpPr>
-            <a:spLocks noGrp="1"/>
-          </p:cNvSpPr>
-          <p:nvPr>
-            <p:ph type="body" sz="quarter" idx="13"/>
-          </p:nvPr>
-        </p:nvSpPr>
-        <p:spPr/>
-        <p:txBody>
-          <a:bodyPr/>
-          <a:lstStyle/>
-          <a:p>
+            <a:pPr marL="342900" indent="-342900">
+              <a:buFontTx/>
+              <a:buChar char="-"/>
+            </a:pPr>
+            <a:r>
+              <a:rPr lang="en-US" dirty="0" smtClean="0"/>
+              <a:t>Open source library from Microsoft</a:t>
+            </a:r>
+          </a:p>
+          <a:p>
+            <a:pPr marL="342900" indent="-342900">
+              <a:buFontTx/>
+              <a:buChar char="-"/>
+            </a:pPr>
+            <a:r>
+              <a:rPr lang="en-US" dirty="0" smtClean="0"/>
+              <a:t>Observable sequences (</a:t>
+            </a:r>
+            <a:r>
+              <a:rPr lang="en-US" dirty="0" err="1" smtClean="0"/>
+              <a:t>IObservable</a:t>
+            </a:r>
+            <a:r>
+              <a:rPr lang="en-US" dirty="0" smtClean="0"/>
+              <a:t> interface)</a:t>
+            </a:r>
+          </a:p>
+          <a:p>
+            <a:pPr marL="342900" indent="-342900">
+              <a:buFontTx/>
+              <a:buChar char="-"/>
+            </a:pPr>
+            <a:r>
+              <a:rPr lang="en-US" dirty="0" smtClean="0"/>
+              <a:t>LINQ-like queries</a:t>
+            </a:r>
+          </a:p>
+          <a:p>
+            <a:pPr marL="342900" indent="-342900">
+              <a:buFontTx/>
+              <a:buChar char="-"/>
+            </a:pPr>
+            <a:r>
+              <a:rPr lang="en-US" dirty="0"/>
+              <a:t>Learning </a:t>
+            </a:r>
+            <a:r>
+              <a:rPr lang="en-US" dirty="0" smtClean="0"/>
+              <a:t>resources: </a:t>
+            </a:r>
+          </a:p>
+          <a:p>
+            <a:pPr marL="608013" lvl="1" indent="-342900">
+              <a:buFontTx/>
+              <a:buChar char="-"/>
+            </a:pPr>
+            <a:r>
+              <a:rPr lang="en-US" dirty="0">
+                <a:hlinkClick r:id="rId2"/>
+              </a:rPr>
+              <a:t>http://reactivex.io</a:t>
+            </a:r>
+            <a:r>
+              <a:rPr lang="en-US" dirty="0" smtClean="0">
+                <a:hlinkClick r:id="rId2"/>
+              </a:rPr>
+              <a:t>/</a:t>
+            </a:r>
+            <a:endParaRPr lang="en-US" dirty="0" smtClean="0"/>
+          </a:p>
+          <a:p>
+            <a:pPr marL="608013" lvl="1" indent="-342900">
+              <a:buFontTx/>
+              <a:buChar char="-"/>
+            </a:pPr>
+            <a:r>
+              <a:rPr lang="en-US" dirty="0" smtClean="0">
+                <a:hlinkClick r:id="rId3"/>
+              </a:rPr>
+              <a:t>http</a:t>
+            </a:r>
+            <a:r>
+              <a:rPr lang="en-US" dirty="0">
+                <a:hlinkClick r:id="rId3"/>
+              </a:rPr>
+              <a:t>://www.introtorx.com</a:t>
+            </a:r>
+            <a:r>
+              <a:rPr lang="en-US" dirty="0" smtClean="0">
+                <a:hlinkClick r:id="rId3"/>
+              </a:rPr>
+              <a:t>/</a:t>
+            </a:r>
+            <a:endParaRPr lang="en-US" dirty="0" smtClean="0"/>
+          </a:p>
+          <a:p>
+            <a:pPr marL="608013" lvl="1" indent="-342900">
+              <a:buFontTx/>
+              <a:buChar char="-"/>
+            </a:pPr>
+            <a:r>
+              <a:rPr lang="en-GB" dirty="0">
+                <a:hlinkClick r:id="rId4"/>
+              </a:rPr>
+              <a:t>https://</a:t>
+            </a:r>
+            <a:r>
+              <a:rPr lang="en-GB" dirty="0" smtClean="0">
+                <a:hlinkClick r:id="rId4"/>
+              </a:rPr>
+              <a:t>github.com/Reactive-Extensions/Rx.NET</a:t>
+            </a:r>
+            <a:endParaRPr lang="en-GB" dirty="0" smtClean="0"/>
+          </a:p>
+          <a:p>
+            <a:pPr marL="608013" lvl="1" indent="-342900">
+              <a:buFontTx/>
+              <a:buChar char="-"/>
+            </a:pPr>
             <a:endParaRPr lang="en-GB" dirty="0"/>
           </a:p>
         </p:txBody>
@@ -4562,13 +4830,20 @@
     </p:spTree>
     <p:extLst>
       <p:ext uri="{BB962C8B-B14F-4D97-AF65-F5344CB8AC3E}">
-        <p14:creationId xmlns:p14="http://schemas.microsoft.com/office/powerpoint/2010/main" val="2279230263"/>
+        <p14:creationId xmlns:p14="http://schemas.microsoft.com/office/powerpoint/2010/main" val="3433872819"/>
       </p:ext>
     </p:extLst>
   </p:cSld>
   <p:clrMapOvr>
     <a:masterClrMapping/>
   </p:clrMapOvr>
+  <p:timing>
+    <p:tnLst>
+      <p:par>
+        <p:cTn id="1" dur="indefinite" restart="never" nodeType="tmRoot"/>
+      </p:par>
+    </p:tnLst>
+  </p:timing>
 </p:sld>
 </file>
 
@@ -4589,6 +4864,45 @@
           <a:chExt cx="0" cy="0"/>
         </a:xfrm>
       </p:grpSpPr>
+      <p:pic>
+        <p:nvPicPr>
+          <p:cNvPr id="1026" name="Picture 2" descr="http://i.imgur.com/mJ8BJ0s.png"/>
+          <p:cNvPicPr>
+            <a:picLocks noChangeAspect="1" noChangeArrowheads="1"/>
+          </p:cNvPicPr>
+          <p:nvPr/>
+        </p:nvPicPr>
+        <p:blipFill rotWithShape="1">
+          <a:blip r:embed="rId2">
+            <a:extLst>
+              <a:ext uri="{28A0092B-C50C-407E-A947-70E740481C1C}">
+                <a14:useLocalDpi xmlns:a14="http://schemas.microsoft.com/office/drawing/2010/main" val="0"/>
+              </a:ext>
+            </a:extLst>
+          </a:blip>
+          <a:srcRect l="4069" t="21577" r="23793" b="19849"/>
+          <a:stretch/>
+        </p:blipFill>
+        <p:spPr bwMode="auto">
+          <a:xfrm>
+            <a:off x="0" y="1052736"/>
+            <a:ext cx="9144000" cy="4176464"/>
+          </a:xfrm>
+          <a:prstGeom prst="rect">
+            <a:avLst/>
+          </a:prstGeom>
+          <a:noFill/>
+          <a:extLst>
+            <a:ext uri="{909E8E84-426E-40DD-AFC4-6F175D3DCCD1}">
+              <a14:hiddenFill xmlns:a14="http://schemas.microsoft.com/office/drawing/2010/main">
+                <a:solidFill>
+                  <a:srgbClr val="FFFFFF"/>
+                </a:solidFill>
+              </a14:hiddenFill>
+            </a:ext>
+          </a:extLst>
+        </p:spPr>
+      </p:pic>
       <p:sp>
         <p:nvSpPr>
           <p:cNvPr id="2" name="Title 1"/>
@@ -4604,80 +4918,10 @@
           <a:bodyPr/>
           <a:lstStyle/>
           <a:p>
-            <a:endParaRPr lang="en-GB" dirty="0"/>
-          </a:p>
-        </p:txBody>
-      </p:sp>
-      <p:sp>
-        <p:nvSpPr>
-          <p:cNvPr id="5" name="Text Placeholder 4"/>
-          <p:cNvSpPr>
-            <a:spLocks noGrp="1"/>
-          </p:cNvSpPr>
-          <p:nvPr>
-            <p:ph type="body" sz="quarter" idx="13"/>
-          </p:nvPr>
-        </p:nvSpPr>
-        <p:spPr/>
-        <p:txBody>
-          <a:bodyPr/>
-          <a:lstStyle/>
-          <a:p>
-            <a:endParaRPr lang="en-GB" dirty="0"/>
-          </a:p>
-        </p:txBody>
-      </p:sp>
-      <p:sp>
-        <p:nvSpPr>
-          <p:cNvPr id="6" name="Picture Placeholder 5"/>
-          <p:cNvSpPr>
-            <a:spLocks noGrp="1"/>
-          </p:cNvSpPr>
-          <p:nvPr>
-            <p:ph type="pic" sz="quarter" idx="14"/>
-          </p:nvPr>
-        </p:nvSpPr>
-        <p:spPr/>
-      </p:sp>
-      <p:sp>
-        <p:nvSpPr>
-          <p:cNvPr id="7" name="Picture Placeholder 6"/>
-          <p:cNvSpPr>
-            <a:spLocks noGrp="1"/>
-          </p:cNvSpPr>
-          <p:nvPr>
-            <p:ph type="pic" sz="quarter" idx="15"/>
-          </p:nvPr>
-        </p:nvSpPr>
-        <p:spPr/>
-      </p:sp>
-      <p:sp>
-        <p:nvSpPr>
-          <p:cNvPr id="8" name="Picture Placeholder 7"/>
-          <p:cNvSpPr>
-            <a:spLocks noGrp="1"/>
-          </p:cNvSpPr>
-          <p:nvPr>
-            <p:ph type="pic" sz="quarter" idx="16"/>
-          </p:nvPr>
-        </p:nvSpPr>
-        <p:spPr/>
-      </p:sp>
-      <p:sp>
-        <p:nvSpPr>
-          <p:cNvPr id="9" name="Content Placeholder 8"/>
-          <p:cNvSpPr>
-            <a:spLocks noGrp="1"/>
-          </p:cNvSpPr>
-          <p:nvPr>
-            <p:ph idx="1"/>
-          </p:nvPr>
-        </p:nvSpPr>
-        <p:spPr/>
-        <p:txBody>
-          <a:bodyPr/>
-          <a:lstStyle/>
-          <a:p>
+            <a:r>
+              <a:rPr lang="en-GB" dirty="0" smtClean="0"/>
+              <a:t>Coding Time</a:t>
+            </a:r>
             <a:endParaRPr lang="en-GB" dirty="0"/>
           </a:p>
         </p:txBody>
@@ -4685,13 +4929,20 @@
     </p:spTree>
     <p:extLst>
       <p:ext uri="{BB962C8B-B14F-4D97-AF65-F5344CB8AC3E}">
-        <p14:creationId xmlns:p14="http://schemas.microsoft.com/office/powerpoint/2010/main" val="3821337236"/>
+        <p14:creationId xmlns:p14="http://schemas.microsoft.com/office/powerpoint/2010/main" val="3146438836"/>
       </p:ext>
     </p:extLst>
   </p:cSld>
   <p:clrMapOvr>
     <a:masterClrMapping/>
   </p:clrMapOvr>
+  <p:timing>
+    <p:tnLst>
+      <p:par>
+        <p:cTn id="1" dur="indefinite" restart="never" nodeType="tmRoot"/>
+      </p:par>
+    </p:tnLst>
+  </p:timing>
 </p:sld>
 </file>
 
@@ -4727,6 +4978,10 @@
           <a:bodyPr/>
           <a:lstStyle/>
           <a:p>
+            <a:r>
+              <a:rPr lang="en-GB" dirty="0" smtClean="0"/>
+              <a:t>(F#)-Agents</a:t>
+            </a:r>
             <a:endParaRPr lang="en-GB" dirty="0"/>
           </a:p>
         </p:txBody>
@@ -4741,68 +4996,160 @@
             <p:ph idx="1"/>
           </p:nvPr>
         </p:nvSpPr>
-        <p:spPr/>
+        <p:spPr>
+          <a:xfrm>
+            <a:off x="592437" y="933885"/>
+            <a:ext cx="8412161" cy="5632015"/>
+          </a:xfrm>
+        </p:spPr>
         <p:txBody>
           <a:bodyPr/>
           <a:lstStyle/>
           <a:p>
+            <a:pPr marL="342900" indent="-342900">
+              <a:buFontTx/>
+              <a:buChar char="-"/>
+            </a:pPr>
+            <a:r>
+              <a:rPr lang="en-GB" dirty="0" smtClean="0"/>
+              <a:t>Isolated components that fulfil a single purpose</a:t>
+            </a:r>
+          </a:p>
+          <a:p>
+            <a:pPr marL="342900" indent="-342900">
+              <a:buFontTx/>
+              <a:buChar char="-"/>
+            </a:pPr>
+            <a:r>
+              <a:rPr lang="en-GB" dirty="0" smtClean="0"/>
+              <a:t>Communicate via messages</a:t>
+            </a:r>
+          </a:p>
+          <a:p>
+            <a:pPr marL="342900" indent="-342900">
+              <a:buFontTx/>
+              <a:buChar char="-"/>
+            </a:pPr>
+            <a:r>
+              <a:rPr lang="en-GB" dirty="0" smtClean="0"/>
+              <a:t>Usually single-threaded</a:t>
+            </a:r>
+          </a:p>
+          <a:p>
+            <a:pPr marL="342900" indent="-342900">
+              <a:buFontTx/>
+              <a:buChar char="-"/>
+            </a:pPr>
+            <a:r>
+              <a:rPr lang="en-GB" dirty="0" smtClean="0"/>
+              <a:t>Implemented in F# as </a:t>
+            </a:r>
+            <a:r>
+              <a:rPr lang="en-GB" dirty="0" err="1" smtClean="0">
+                <a:latin typeface="Consolas" panose="020B0609020204030204" pitchFamily="49" charset="0"/>
+                <a:cs typeface="Consolas" panose="020B0609020204030204" pitchFamily="49" charset="0"/>
+              </a:rPr>
+              <a:t>MailboxProcessor</a:t>
+            </a:r>
+            <a:r>
+              <a:rPr lang="en-GB" dirty="0" smtClean="0">
+                <a:latin typeface="Consolas" panose="020B0609020204030204" pitchFamily="49" charset="0"/>
+                <a:cs typeface="Consolas" panose="020B0609020204030204" pitchFamily="49" charset="0"/>
+              </a:rPr>
+              <a:t>&lt;‘Message&gt;</a:t>
+            </a:r>
             <a:endParaRPr lang="en-GB" dirty="0"/>
           </a:p>
-        </p:txBody>
-      </p:sp>
-      <p:sp>
-        <p:nvSpPr>
-          <p:cNvPr id="6" name="Text Placeholder 5"/>
-          <p:cNvSpPr>
-            <a:spLocks noGrp="1"/>
-          </p:cNvSpPr>
-          <p:nvPr>
-            <p:ph type="body" sz="quarter" idx="13"/>
-          </p:nvPr>
-        </p:nvSpPr>
-        <p:spPr/>
-        <p:txBody>
-          <a:bodyPr/>
-          <a:lstStyle/>
-          <a:p>
+          <a:p>
+            <a:pPr marL="342900" indent="-342900">
+              <a:buFontTx/>
+              <a:buChar char="-"/>
+            </a:pPr>
+            <a:r>
+              <a:rPr lang="en-GB" dirty="0" smtClean="0"/>
+              <a:t>Learning resources:</a:t>
+            </a:r>
+          </a:p>
+          <a:p>
+            <a:pPr marL="608013" lvl="1" indent="-342900">
+              <a:buFontTx/>
+              <a:buChar char="-"/>
+            </a:pPr>
+            <a:r>
+              <a:rPr lang="en-GB" dirty="0" smtClean="0">
+                <a:hlinkClick r:id="rId2"/>
+              </a:rPr>
+              <a:t>http</a:t>
+            </a:r>
+            <a:r>
+              <a:rPr lang="en-GB" dirty="0">
+                <a:hlinkClick r:id="rId2"/>
+              </a:rPr>
+              <a:t>://fsharpforfunandprofit.com/posts/concurrency-actor-model</a:t>
+            </a:r>
+            <a:r>
+              <a:rPr lang="en-GB" dirty="0" smtClean="0">
+                <a:hlinkClick r:id="rId2"/>
+              </a:rPr>
+              <a:t>/</a:t>
+            </a:r>
+            <a:endParaRPr lang="en-GB" dirty="0" smtClean="0"/>
+          </a:p>
+          <a:p>
+            <a:pPr marL="608013" lvl="1" indent="-342900">
+              <a:buFontTx/>
+              <a:buChar char="-"/>
+            </a:pPr>
+            <a:r>
+              <a:rPr lang="en-GB" dirty="0">
+                <a:hlinkClick r:id="rId3"/>
+              </a:rPr>
+              <a:t>http://www.developerfusion.com/article/139804/an-introduction-to-f-agents</a:t>
+            </a:r>
+            <a:r>
+              <a:rPr lang="en-GB" dirty="0" smtClean="0">
+                <a:hlinkClick r:id="rId3"/>
+              </a:rPr>
+              <a:t>/</a:t>
+            </a:r>
             <a:endParaRPr lang="en-GB" dirty="0"/>
           </a:p>
-        </p:txBody>
-      </p:sp>
-      <p:sp>
-        <p:nvSpPr>
-          <p:cNvPr id="7" name="Picture Placeholder 6"/>
-          <p:cNvSpPr>
-            <a:spLocks noGrp="1"/>
-          </p:cNvSpPr>
-          <p:nvPr>
-            <p:ph type="pic" sz="quarter" idx="14"/>
-          </p:nvPr>
-        </p:nvSpPr>
-        <p:spPr/>
-      </p:sp>
-      <p:sp>
-        <p:nvSpPr>
-          <p:cNvPr id="8" name="Picture Placeholder 7"/>
-          <p:cNvSpPr>
-            <a:spLocks noGrp="1"/>
-          </p:cNvSpPr>
-          <p:nvPr>
-            <p:ph type="pic" sz="quarter" idx="15"/>
-          </p:nvPr>
-        </p:nvSpPr>
-        <p:spPr/>
+          <a:p>
+            <a:pPr marL="342900" indent="-342900">
+              <a:buFontTx/>
+              <a:buChar char="-"/>
+            </a:pPr>
+            <a:endParaRPr lang="en-GB" dirty="0" smtClean="0">
+              <a:latin typeface="Consolas" panose="020B0609020204030204" pitchFamily="49" charset="0"/>
+              <a:cs typeface="Consolas" panose="020B0609020204030204" pitchFamily="49" charset="0"/>
+            </a:endParaRPr>
+          </a:p>
+          <a:p>
+            <a:pPr marL="342900" indent="-342900">
+              <a:buFontTx/>
+              <a:buChar char="-"/>
+            </a:pPr>
+            <a:endParaRPr lang="en-GB" dirty="0" smtClean="0"/>
+          </a:p>
+        </p:txBody>
       </p:sp>
     </p:spTree>
     <p:extLst>
       <p:ext uri="{BB962C8B-B14F-4D97-AF65-F5344CB8AC3E}">
-        <p14:creationId xmlns:p14="http://schemas.microsoft.com/office/powerpoint/2010/main" val="1889840885"/>
+        <p14:creationId xmlns:p14="http://schemas.microsoft.com/office/powerpoint/2010/main" val="562787367"/>
       </p:ext>
     </p:extLst>
   </p:cSld>
   <p:clrMapOvr>
     <a:masterClrMapping/>
   </p:clrMapOvr>
+  <p:timing>
+    <p:tnLst>
+      <p:par>
+        <p:cTn id="1" dur="indefinite" restart="never" nodeType="tmRoot"/>
+      </p:par>
+    </p:tnLst>
+  </p:timing>
 </p:sld>
 </file>
 
@@ -4838,70 +5185,72 @@
           <a:bodyPr/>
           <a:lstStyle/>
           <a:p>
+            <a:r>
+              <a:rPr lang="en-GB" dirty="0" smtClean="0"/>
+              <a:t>Coding Time 2</a:t>
+            </a:r>
             <a:endParaRPr lang="en-GB" dirty="0"/>
           </a:p>
         </p:txBody>
       </p:sp>
-      <p:sp>
-        <p:nvSpPr>
-          <p:cNvPr id="3" name="Content Placeholder 2"/>
-          <p:cNvSpPr>
-            <a:spLocks noGrp="1"/>
-          </p:cNvSpPr>
-          <p:nvPr>
-            <p:ph idx="1"/>
-          </p:nvPr>
-        </p:nvSpPr>
-        <p:spPr/>
-        <p:txBody>
-          <a:bodyPr/>
-          <a:lstStyle/>
-          <a:p>
-            <a:endParaRPr lang="en-GB" dirty="0"/>
-          </a:p>
-        </p:txBody>
-      </p:sp>
-      <p:sp>
-        <p:nvSpPr>
-          <p:cNvPr id="6" name="Text Placeholder 5"/>
-          <p:cNvSpPr>
-            <a:spLocks noGrp="1"/>
-          </p:cNvSpPr>
-          <p:nvPr>
-            <p:ph type="body" sz="quarter" idx="13"/>
-          </p:nvPr>
-        </p:nvSpPr>
-        <p:spPr/>
-        <p:txBody>
-          <a:bodyPr/>
-          <a:lstStyle/>
-          <a:p>
-            <a:endParaRPr lang="en-GB" dirty="0"/>
-          </a:p>
-        </p:txBody>
-      </p:sp>
-      <p:sp>
-        <p:nvSpPr>
-          <p:cNvPr id="7" name="Picture Placeholder 6"/>
-          <p:cNvSpPr>
-            <a:spLocks noGrp="1"/>
-          </p:cNvSpPr>
-          <p:nvPr>
-            <p:ph type="pic" sz="quarter" idx="14"/>
-          </p:nvPr>
-        </p:nvSpPr>
-        <p:spPr/>
-      </p:sp>
+      <p:pic>
+        <p:nvPicPr>
+          <p:cNvPr id="2050" name="Picture 2" descr="http://i.imgur.com/zvYBCV2.jpg"/>
+          <p:cNvPicPr>
+            <a:picLocks noChangeAspect="1" noChangeArrowheads="1"/>
+          </p:cNvPicPr>
+          <p:nvPr/>
+        </p:nvPicPr>
+        <p:blipFill>
+          <a:blip r:embed="rId2">
+            <a:extLst>
+              <a:ext uri="{28A0092B-C50C-407E-A947-70E740481C1C}">
+                <a14:useLocalDpi xmlns:a14="http://schemas.microsoft.com/office/drawing/2010/main" val="0"/>
+              </a:ext>
+            </a:extLst>
+          </a:blip>
+          <a:srcRect/>
+          <a:stretch>
+            <a:fillRect/>
+          </a:stretch>
+        </p:blipFill>
+        <p:spPr bwMode="auto">
+          <a:xfrm>
+            <a:off x="3281" y="1556792"/>
+            <a:ext cx="9144000" cy="3771901"/>
+          </a:xfrm>
+          <a:prstGeom prst="rect">
+            <a:avLst/>
+          </a:prstGeom>
+          <a:noFill/>
+          <a:extLst>
+            <a:ext uri="{909E8E84-426E-40DD-AFC4-6F175D3DCCD1}">
+              <a14:hiddenFill xmlns:a14="http://schemas.microsoft.com/office/drawing/2010/main">
+                <a:solidFill>
+                  <a:srgbClr val="FFFFFF"/>
+                </a:solidFill>
+              </a14:hiddenFill>
+            </a:ext>
+          </a:extLst>
+        </p:spPr>
+      </p:pic>
     </p:spTree>
     <p:extLst>
       <p:ext uri="{BB962C8B-B14F-4D97-AF65-F5344CB8AC3E}">
-        <p14:creationId xmlns:p14="http://schemas.microsoft.com/office/powerpoint/2010/main" val="2546209599"/>
+        <p14:creationId xmlns:p14="http://schemas.microsoft.com/office/powerpoint/2010/main" val="1382316661"/>
       </p:ext>
     </p:extLst>
   </p:cSld>
   <p:clrMapOvr>
     <a:masterClrMapping/>
   </p:clrMapOvr>
+  <p:timing>
+    <p:tnLst>
+      <p:par>
+        <p:cTn id="1" dur="indefinite" restart="never" nodeType="tmRoot"/>
+      </p:par>
+    </p:tnLst>
+  </p:timing>
 </p:sld>
 </file>
 
@@ -4937,26 +5286,59 @@
           <a:bodyPr/>
           <a:lstStyle/>
           <a:p>
+            <a:r>
+              <a:rPr lang="en-GB" dirty="0" smtClean="0"/>
+              <a:t>Thank you!</a:t>
+            </a:r>
             <a:endParaRPr lang="en-GB" dirty="0"/>
           </a:p>
         </p:txBody>
       </p:sp>
-      <p:sp>
-        <p:nvSpPr>
-          <p:cNvPr id="5" name="Picture Placeholder 4"/>
-          <p:cNvSpPr>
-            <a:spLocks noGrp="1"/>
-          </p:cNvSpPr>
-          <p:nvPr>
-            <p:ph type="pic" sz="quarter" idx="10"/>
-          </p:nvPr>
-        </p:nvSpPr>
-        <p:spPr/>
-      </p:sp>
+      <p:pic>
+        <p:nvPicPr>
+          <p:cNvPr id="5122" name="Picture 2" descr="https://simplyssatea.files.wordpress.com/2013/01/questionmark.jpg"/>
+          <p:cNvPicPr>
+            <a:picLocks noChangeAspect="1" noChangeArrowheads="1"/>
+          </p:cNvPicPr>
+          <p:nvPr/>
+        </p:nvPicPr>
+        <p:blipFill>
+          <a:blip r:embed="rId2" cstate="print">
+            <a:extLst>
+              <a:ext uri="{28A0092B-C50C-407E-A947-70E740481C1C}">
+                <a14:useLocalDpi xmlns:a14="http://schemas.microsoft.com/office/drawing/2010/main" val="0"/>
+              </a:ext>
+            </a:extLst>
+          </a:blip>
+          <a:srcRect/>
+          <a:stretch>
+            <a:fillRect/>
+          </a:stretch>
+        </p:blipFill>
+        <p:spPr bwMode="auto">
+          <a:xfrm>
+            <a:off x="899592" y="148948"/>
+            <a:ext cx="4640421" cy="5062277"/>
+          </a:xfrm>
+          <a:prstGeom prst="rect">
+            <a:avLst/>
+          </a:prstGeom>
+          <a:noFill/>
+          <a:extLst>
+            <a:ext uri="{909E8E84-426E-40DD-AFC4-6F175D3DCCD1}">
+              <a14:hiddenFill xmlns:a14="http://schemas.microsoft.com/office/drawing/2010/main">
+                <a:solidFill>
+                  <a:srgbClr val="FFFFFF"/>
+                </a:solidFill>
+              </a14:hiddenFill>
+            </a:ext>
+          </a:extLst>
+        </p:spPr>
+      </p:pic>
     </p:spTree>
     <p:extLst>
       <p:ext uri="{BB962C8B-B14F-4D97-AF65-F5344CB8AC3E}">
-        <p14:creationId xmlns:p14="http://schemas.microsoft.com/office/powerpoint/2010/main" val="3279471758"/>
+        <p14:creationId xmlns:p14="http://schemas.microsoft.com/office/powerpoint/2010/main" val="941337931"/>
       </p:ext>
     </p:extLst>
   </p:cSld>

--- a/Reactive Programming with .NET.pptx
+++ b/Reactive Programming with .NET.pptx
@@ -24,7 +24,7 @@
   <p:notesSz cx="6858000" cy="9144000"/>
   <p:embeddedFontLst>
     <p:embeddedFont>
-      <p:font typeface="AA Zuehlke" panose="020B0604020202020204" charset="0"/>
+      <p:font typeface="AA Zuehlke" panose="02000503060000020004" pitchFamily="2" charset="0"/>
       <p:regular r:id="rId12"/>
       <p:italic r:id="rId13"/>
     </p:embeddedFont>
@@ -456,7 +456,7 @@
             <a:fld id="{A6966AE6-B72D-4967-9CA3-8469D2863705}" type="datetimeFigureOut">
               <a:rPr lang="en-US" smtClean="0"/>
               <a:pPr/>
-              <a:t>2015-11-26</a:t>
+              <a:t>11/26/2015</a:t>
             </a:fld>
             <a:endParaRPr lang="en-US" dirty="0"/>
           </a:p>
@@ -5216,8 +5216,8 @@
         </p:blipFill>
         <p:spPr bwMode="auto">
           <a:xfrm>
-            <a:off x="3281" y="1556792"/>
-            <a:ext cx="9144000" cy="3771901"/>
+            <a:off x="-10510" y="1556792"/>
+            <a:ext cx="9157791" cy="3771901"/>
           </a:xfrm>
           <a:prstGeom prst="rect">
             <a:avLst/>
@@ -5345,6 +5345,13 @@
   <p:clrMapOvr>
     <a:masterClrMapping/>
   </p:clrMapOvr>
+  <p:timing>
+    <p:tnLst>
+      <p:par>
+        <p:cTn id="1" dur="indefinite" restart="never" nodeType="tmRoot"/>
+      </p:par>
+    </p:tnLst>
+  </p:timing>
 </p:sld>
 </file>
 
